--- a/Images/Figures_PPT/DiscobaHeatPlot.pptx
+++ b/Images/Figures_PPT/DiscobaHeatPlot.pptx
@@ -7826,7 +7826,7 @@
             </a:custGeom>
             <a:ln w="10840" cap="flat">
               <a:solidFill>
-                <a:srgbClr val="433C77">
+                <a:srgbClr val="B65779">
                   <a:alpha val="100000"/>
                 </a:srgbClr>
               </a:solidFill>
@@ -7866,7 +7866,7 @@
             </a:custGeom>
             <a:ln w="10840" cap="flat">
               <a:solidFill>
-                <a:srgbClr val="433975">
+                <a:srgbClr val="B85575">
                   <a:alpha val="100000"/>
                 </a:srgbClr>
               </a:solidFill>
@@ -7906,7 +7906,7 @@
             </a:custGeom>
             <a:ln w="10840" cap="flat">
               <a:solidFill>
-                <a:srgbClr val="433A76">
+                <a:srgbClr val="B75677">
                   <a:alpha val="100000"/>
                 </a:srgbClr>
               </a:solidFill>
@@ -7946,7 +7946,7 @@
             </a:custGeom>
             <a:ln w="10840" cap="flat">
               <a:solidFill>
-                <a:srgbClr val="3A548A">
+                <a:srgbClr val="996A9E">
                   <a:alpha val="100000"/>
                 </a:srgbClr>
               </a:solidFill>
@@ -7986,7 +7986,7 @@
             </a:custGeom>
             <a:ln w="10840" cap="flat">
               <a:solidFill>
-                <a:srgbClr val="2D9C85">
+                <a:srgbClr val="AD804C">
                   <a:alpha val="100000"/>
                 </a:srgbClr>
               </a:solidFill>
@@ -8026,7 +8026,7 @@
             </a:custGeom>
             <a:ln w="10840" cap="flat">
               <a:solidFill>
-                <a:srgbClr val="34698D">
+                <a:srgbClr val="3283DC">
                   <a:alpha val="100000"/>
                 </a:srgbClr>
               </a:solidFill>
@@ -8066,7 +8066,7 @@
             </a:custGeom>
             <a:ln w="10840" cap="flat">
               <a:solidFill>
-                <a:srgbClr val="45306E">
+                <a:srgbClr val="C04C67">
                   <a:alpha val="100000"/>
                 </a:srgbClr>
               </a:solidFill>
@@ -8106,7 +8106,7 @@
             </a:custGeom>
             <a:ln w="10840" cap="flat">
               <a:solidFill>
-                <a:srgbClr val="45165D">
+                <a:srgbClr val="D03348">
                   <a:alpha val="100000"/>
                 </a:srgbClr>
               </a:solidFill>
@@ -8146,7 +8146,7 @@
             </a:custGeom>
             <a:ln w="10840" cap="flat">
               <a:solidFill>
-                <a:srgbClr val="452D6C">
+                <a:srgbClr val="C24A64">
                   <a:alpha val="100000"/>
                 </a:srgbClr>
               </a:solidFill>
@@ -8186,7 +8186,7 @@
             </a:custGeom>
             <a:ln w="10840" cap="flat">
               <a:solidFill>
-                <a:srgbClr val="3E4C84">
+                <a:srgbClr val="A36493">
                   <a:alpha val="100000"/>
                 </a:srgbClr>
               </a:solidFill>
@@ -8226,7 +8226,7 @@
             </a:custGeom>
             <a:ln w="10840" cap="flat">
               <a:solidFill>
-                <a:srgbClr val="3D4F86">
+                <a:srgbClr val="A06697">
                   <a:alpha val="100000"/>
                 </a:srgbClr>
               </a:solidFill>
@@ -8266,7 +8266,7 @@
             </a:custGeom>
             <a:ln w="10840" cap="flat">
               <a:solidFill>
-                <a:srgbClr val="385C8C">
+                <a:srgbClr val="8274B5">
                   <a:alpha val="100000"/>
                 </a:srgbClr>
               </a:solidFill>
@@ -8306,7 +8306,7 @@
             </a:custGeom>
             <a:ln w="10840" cap="flat">
               <a:solidFill>
-                <a:srgbClr val="440154">
+                <a:srgbClr val="D71D36">
                   <a:alpha val="100000"/>
                 </a:srgbClr>
               </a:solidFill>
@@ -8346,7 +8346,7 @@
             </a:custGeom>
             <a:ln w="10840" cap="flat">
               <a:solidFill>
-                <a:srgbClr val="450F59">
+                <a:srgbClr val="D32C41">
                   <a:alpha val="100000"/>
                 </a:srgbClr>
               </a:solidFill>
@@ -8386,7 +8386,7 @@
             </a:custGeom>
             <a:ln w="10840" cap="flat">
               <a:solidFill>
-                <a:srgbClr val="45195F">
+                <a:srgbClr val="CE374B">
                   <a:alpha val="100000"/>
                 </a:srgbClr>
               </a:solidFill>
@@ -8426,7 +8426,7 @@
             </a:custGeom>
             <a:ln w="10840" cap="flat">
               <a:solidFill>
-                <a:srgbClr val="440656">
+                <a:srgbClr val="D6233A">
                   <a:alpha val="100000"/>
                 </a:srgbClr>
               </a:solidFill>
@@ -8466,7 +8466,7 @@
             </a:custGeom>
             <a:ln w="10840" cap="flat">
               <a:solidFill>
-                <a:srgbClr val="452868">
+                <a:srgbClr val="C6455D">
                   <a:alpha val="100000"/>
                 </a:srgbClr>
               </a:solidFill>
@@ -8506,7 +8506,7 @@
             </a:custGeom>
             <a:ln w="10840" cap="flat">
               <a:solidFill>
-                <a:srgbClr val="451D61">
+                <a:srgbClr val="CD3A4F">
                   <a:alpha val="100000"/>
                 </a:srgbClr>
               </a:solidFill>
@@ -8546,7 +8546,7 @@
             </a:custGeom>
             <a:ln w="10840" cap="flat">
               <a:solidFill>
-                <a:srgbClr val="450A58">
+                <a:srgbClr val="D4273D">
                   <a:alpha val="100000"/>
                 </a:srgbClr>
               </a:solidFill>
@@ -8586,7 +8586,7 @@
             </a:custGeom>
             <a:ln w="10840" cap="flat">
               <a:solidFill>
-                <a:srgbClr val="39578C">
+                <a:srgbClr val="926DA6">
                   <a:alpha val="100000"/>
                 </a:srgbClr>
               </a:solidFill>
@@ -8666,7 +8666,7 @@
             </a:custGeom>
             <a:ln w="10840" cap="flat">
               <a:solidFill>
-                <a:srgbClr val="451D61">
+                <a:srgbClr val="CD3A4F">
                   <a:alpha val="100000"/>
                 </a:srgbClr>
               </a:solidFill>
@@ -8706,7 +8706,7 @@
             </a:custGeom>
             <a:ln w="10840" cap="flat">
               <a:solidFill>
-                <a:srgbClr val="452A6A">
+                <a:srgbClr val="C44860">
                   <a:alpha val="100000"/>
                 </a:srgbClr>
               </a:solidFill>
@@ -8746,7 +8746,7 @@
             </a:custGeom>
             <a:ln w="10840" cap="flat">
               <a:solidFill>
-                <a:srgbClr val="440154">
+                <a:srgbClr val="D71D36">
                   <a:alpha val="100000"/>
                 </a:srgbClr>
               </a:solidFill>
@@ -8786,7 +8786,7 @@
             </a:custGeom>
             <a:ln w="10840" cap="flat">
               <a:solidFill>
-                <a:srgbClr val="450A58">
+                <a:srgbClr val="D4273D">
                   <a:alpha val="100000"/>
                 </a:srgbClr>
               </a:solidFill>
@@ -8826,7 +8826,7 @@
             </a:custGeom>
             <a:ln w="10840" cap="flat">
               <a:solidFill>
-                <a:srgbClr val="450A58">
+                <a:srgbClr val="D4273D">
                   <a:alpha val="100000"/>
                 </a:srgbClr>
               </a:solidFill>
@@ -8866,7 +8866,7 @@
             </a:custGeom>
             <a:ln w="10840" cap="flat">
               <a:solidFill>
-                <a:srgbClr val="440154">
+                <a:srgbClr val="D71D36">
                   <a:alpha val="100000"/>
                 </a:srgbClr>
               </a:solidFill>
@@ -8906,7 +8906,7 @@
             </a:custGeom>
             <a:ln w="10840" cap="flat">
               <a:solidFill>
-                <a:srgbClr val="440656">
+                <a:srgbClr val="D6233A">
                   <a:alpha val="100000"/>
                 </a:srgbClr>
               </a:solidFill>
@@ -8946,7 +8946,7 @@
             </a:custGeom>
             <a:ln w="10840" cap="flat">
               <a:solidFill>
-                <a:srgbClr val="450A58">
+                <a:srgbClr val="D4273D">
                   <a:alpha val="100000"/>
                 </a:srgbClr>
               </a:solidFill>
@@ -8986,7 +8986,7 @@
             </a:custGeom>
             <a:ln w="10840" cap="flat">
               <a:solidFill>
-                <a:srgbClr val="45135B">
+                <a:srgbClr val="D13044">
                   <a:alpha val="100000"/>
                 </a:srgbClr>
               </a:solidFill>
@@ -9026,7 +9026,7 @@
             </a:custGeom>
             <a:ln w="10840" cap="flat">
               <a:solidFill>
-                <a:srgbClr val="440656">
+                <a:srgbClr val="D6233A">
                   <a:alpha val="100000"/>
                 </a:srgbClr>
               </a:solidFill>
@@ -9066,7 +9066,7 @@
             </a:custGeom>
             <a:ln w="10840" cap="flat">
               <a:solidFill>
-                <a:srgbClr val="440656">
+                <a:srgbClr val="D6233A">
                   <a:alpha val="100000"/>
                 </a:srgbClr>
               </a:solidFill>
@@ -9106,7 +9106,7 @@
             </a:custGeom>
             <a:ln w="10840" cap="flat">
               <a:solidFill>
-                <a:srgbClr val="450A58">
+                <a:srgbClr val="D4273D">
                   <a:alpha val="100000"/>
                 </a:srgbClr>
               </a:solidFill>
@@ -9146,7 +9146,7 @@
             </a:custGeom>
             <a:ln w="10840" cap="flat">
               <a:solidFill>
-                <a:srgbClr val="440154">
+                <a:srgbClr val="D71D36">
                   <a:alpha val="100000"/>
                 </a:srgbClr>
               </a:solidFill>
@@ -9186,7 +9186,7 @@
             </a:custGeom>
             <a:ln w="10840" cap="flat">
               <a:solidFill>
-                <a:srgbClr val="440656">
+                <a:srgbClr val="D6233A">
                   <a:alpha val="100000"/>
                 </a:srgbClr>
               </a:solidFill>
@@ -9226,7 +9226,7 @@
             </a:custGeom>
             <a:ln w="10840" cap="flat">
               <a:solidFill>
-                <a:srgbClr val="440154">
+                <a:srgbClr val="D71D36">
                   <a:alpha val="100000"/>
                 </a:srgbClr>
               </a:solidFill>
@@ -9266,7 +9266,7 @@
             </a:custGeom>
             <a:ln w="10840" cap="flat">
               <a:solidFill>
-                <a:srgbClr val="440154">
+                <a:srgbClr val="D71D36">
                   <a:alpha val="100000"/>
                 </a:srgbClr>
               </a:solidFill>
@@ -9306,7 +9306,7 @@
             </a:custGeom>
             <a:ln w="10840" cap="flat">
               <a:solidFill>
-                <a:srgbClr val="440656">
+                <a:srgbClr val="D6233A">
                   <a:alpha val="100000"/>
                 </a:srgbClr>
               </a:solidFill>
@@ -9346,7 +9346,7 @@
             </a:custGeom>
             <a:ln w="10840" cap="flat">
               <a:solidFill>
-                <a:srgbClr val="450F59">
+                <a:srgbClr val="D32C41">
                   <a:alpha val="100000"/>
                 </a:srgbClr>
               </a:solidFill>
@@ -9386,7 +9386,7 @@
             </a:custGeom>
             <a:ln w="10840" cap="flat">
               <a:solidFill>
-                <a:srgbClr val="45165D">
+                <a:srgbClr val="D03348">
                   <a:alpha val="100000"/>
                 </a:srgbClr>
               </a:solidFill>
@@ -9426,7 +9426,7 @@
             </a:custGeom>
             <a:ln w="10840" cap="flat">
               <a:solidFill>
-                <a:srgbClr val="45135B">
+                <a:srgbClr val="D13044">
                   <a:alpha val="100000"/>
                 </a:srgbClr>
               </a:solidFill>
@@ -9466,7 +9466,7 @@
             </a:custGeom>
             <a:ln w="10840" cap="flat">
               <a:solidFill>
-                <a:srgbClr val="440154">
+                <a:srgbClr val="D71D36">
                   <a:alpha val="100000"/>
                 </a:srgbClr>
               </a:solidFill>
@@ -9506,7 +9506,7 @@
             </a:custGeom>
             <a:ln w="10840" cap="flat">
               <a:solidFill>
-                <a:srgbClr val="45195F">
+                <a:srgbClr val="CE374B">
                   <a:alpha val="100000"/>
                 </a:srgbClr>
               </a:solidFill>
@@ -9546,7 +9546,7 @@
             </a:custGeom>
             <a:ln w="10840" cap="flat">
               <a:solidFill>
-                <a:srgbClr val="45135B">
+                <a:srgbClr val="D13044">
                   <a:alpha val="100000"/>
                 </a:srgbClr>
               </a:solidFill>
@@ -9586,7 +9586,7 @@
             </a:custGeom>
             <a:ln w="10840" cap="flat">
               <a:solidFill>
-                <a:srgbClr val="29AF7F">
+                <a:srgbClr val="B88100">
                   <a:alpha val="100000"/>
                 </a:srgbClr>
               </a:solidFill>
@@ -9634,7 +9634,7 @@
               <a:r>
                 <a:rPr sz="569">
                   <a:solidFill>
-                    <a:srgbClr val="433C77">
+                    <a:srgbClr val="B65779">
                       <a:alpha val="100000"/>
                     </a:srgbClr>
                   </a:solidFill>
@@ -9680,7 +9680,7 @@
               <a:r>
                 <a:rPr sz="569">
                   <a:solidFill>
-                    <a:srgbClr val="433975">
+                    <a:srgbClr val="B85575">
                       <a:alpha val="100000"/>
                     </a:srgbClr>
                   </a:solidFill>
@@ -9726,7 +9726,7 @@
               <a:r>
                 <a:rPr sz="569">
                   <a:solidFill>
-                    <a:srgbClr val="433A76">
+                    <a:srgbClr val="B75677">
                       <a:alpha val="100000"/>
                     </a:srgbClr>
                   </a:solidFill>
@@ -9772,7 +9772,7 @@
               <a:r>
                 <a:rPr sz="569">
                   <a:solidFill>
-                    <a:srgbClr val="3A548A">
+                    <a:srgbClr val="996A9E">
                       <a:alpha val="100000"/>
                     </a:srgbClr>
                   </a:solidFill>
@@ -9818,7 +9818,7 @@
               <a:r>
                 <a:rPr sz="569">
                   <a:solidFill>
-                    <a:srgbClr val="2D9C85">
+                    <a:srgbClr val="AD804C">
                       <a:alpha val="100000"/>
                     </a:srgbClr>
                   </a:solidFill>
@@ -9864,7 +9864,7 @@
               <a:r>
                 <a:rPr sz="569">
                   <a:solidFill>
-                    <a:srgbClr val="34698D">
+                    <a:srgbClr val="3283DC">
                       <a:alpha val="100000"/>
                     </a:srgbClr>
                   </a:solidFill>
@@ -9910,7 +9910,7 @@
               <a:r>
                 <a:rPr sz="569">
                   <a:solidFill>
-                    <a:srgbClr val="45306E">
+                    <a:srgbClr val="C04C67">
                       <a:alpha val="100000"/>
                     </a:srgbClr>
                   </a:solidFill>
@@ -9956,7 +9956,7 @@
               <a:r>
                 <a:rPr sz="569">
                   <a:solidFill>
-                    <a:srgbClr val="45165D">
+                    <a:srgbClr val="D03348">
                       <a:alpha val="100000"/>
                     </a:srgbClr>
                   </a:solidFill>
@@ -10002,7 +10002,7 @@
               <a:r>
                 <a:rPr sz="569">
                   <a:solidFill>
-                    <a:srgbClr val="452D6C">
+                    <a:srgbClr val="C24A64">
                       <a:alpha val="100000"/>
                     </a:srgbClr>
                   </a:solidFill>
@@ -10048,7 +10048,7 @@
               <a:r>
                 <a:rPr sz="569">
                   <a:solidFill>
-                    <a:srgbClr val="3E4C84">
+                    <a:srgbClr val="A36493">
                       <a:alpha val="100000"/>
                     </a:srgbClr>
                   </a:solidFill>
@@ -10094,7 +10094,7 @@
               <a:r>
                 <a:rPr sz="569">
                   <a:solidFill>
-                    <a:srgbClr val="3D4F86">
+                    <a:srgbClr val="A06697">
                       <a:alpha val="100000"/>
                     </a:srgbClr>
                   </a:solidFill>
@@ -10140,7 +10140,7 @@
               <a:r>
                 <a:rPr sz="569">
                   <a:solidFill>
-                    <a:srgbClr val="385C8C">
+                    <a:srgbClr val="8274B5">
                       <a:alpha val="100000"/>
                     </a:srgbClr>
                   </a:solidFill>
@@ -10186,7 +10186,7 @@
               <a:r>
                 <a:rPr sz="569">
                   <a:solidFill>
-                    <a:srgbClr val="440154">
+                    <a:srgbClr val="D71D36">
                       <a:alpha val="100000"/>
                     </a:srgbClr>
                   </a:solidFill>
@@ -10232,7 +10232,7 @@
               <a:r>
                 <a:rPr sz="569">
                   <a:solidFill>
-                    <a:srgbClr val="450F59">
+                    <a:srgbClr val="D32C41">
                       <a:alpha val="100000"/>
                     </a:srgbClr>
                   </a:solidFill>
@@ -10278,7 +10278,7 @@
               <a:r>
                 <a:rPr sz="569">
                   <a:solidFill>
-                    <a:srgbClr val="45195F">
+                    <a:srgbClr val="CE374B">
                       <a:alpha val="100000"/>
                     </a:srgbClr>
                   </a:solidFill>
@@ -10324,7 +10324,7 @@
               <a:r>
                 <a:rPr sz="569">
                   <a:solidFill>
-                    <a:srgbClr val="440656">
+                    <a:srgbClr val="D6233A">
                       <a:alpha val="100000"/>
                     </a:srgbClr>
                   </a:solidFill>
@@ -10370,7 +10370,7 @@
               <a:r>
                 <a:rPr sz="569">
                   <a:solidFill>
-                    <a:srgbClr val="452868">
+                    <a:srgbClr val="C6455D">
                       <a:alpha val="100000"/>
                     </a:srgbClr>
                   </a:solidFill>
@@ -10416,7 +10416,7 @@
               <a:r>
                 <a:rPr sz="569">
                   <a:solidFill>
-                    <a:srgbClr val="451D61">
+                    <a:srgbClr val="CD3A4F">
                       <a:alpha val="100000"/>
                     </a:srgbClr>
                   </a:solidFill>
@@ -10462,7 +10462,7 @@
               <a:r>
                 <a:rPr sz="569">
                   <a:solidFill>
-                    <a:srgbClr val="450A58">
+                    <a:srgbClr val="D4273D">
                       <a:alpha val="100000"/>
                     </a:srgbClr>
                   </a:solidFill>
@@ -10508,7 +10508,7 @@
               <a:r>
                 <a:rPr sz="569">
                   <a:solidFill>
-                    <a:srgbClr val="39578C">
+                    <a:srgbClr val="926DA6">
                       <a:alpha val="100000"/>
                     </a:srgbClr>
                   </a:solidFill>
@@ -10600,7 +10600,7 @@
               <a:r>
                 <a:rPr sz="569">
                   <a:solidFill>
-                    <a:srgbClr val="451D61">
+                    <a:srgbClr val="CD3A4F">
                       <a:alpha val="100000"/>
                     </a:srgbClr>
                   </a:solidFill>
@@ -10646,7 +10646,7 @@
               <a:r>
                 <a:rPr sz="569">
                   <a:solidFill>
-                    <a:srgbClr val="452A6A">
+                    <a:srgbClr val="C44860">
                       <a:alpha val="100000"/>
                     </a:srgbClr>
                   </a:solidFill>
@@ -10692,7 +10692,7 @@
               <a:r>
                 <a:rPr sz="569">
                   <a:solidFill>
-                    <a:srgbClr val="440154">
+                    <a:srgbClr val="D71D36">
                       <a:alpha val="100000"/>
                     </a:srgbClr>
                   </a:solidFill>
@@ -10738,7 +10738,7 @@
               <a:r>
                 <a:rPr sz="569">
                   <a:solidFill>
-                    <a:srgbClr val="450A58">
+                    <a:srgbClr val="D4273D">
                       <a:alpha val="100000"/>
                     </a:srgbClr>
                   </a:solidFill>
@@ -10784,7 +10784,7 @@
               <a:r>
                 <a:rPr sz="569">
                   <a:solidFill>
-                    <a:srgbClr val="450A58">
+                    <a:srgbClr val="D4273D">
                       <a:alpha val="100000"/>
                     </a:srgbClr>
                   </a:solidFill>
@@ -10830,7 +10830,7 @@
               <a:r>
                 <a:rPr sz="569">
                   <a:solidFill>
-                    <a:srgbClr val="440154">
+                    <a:srgbClr val="D71D36">
                       <a:alpha val="100000"/>
                     </a:srgbClr>
                   </a:solidFill>
@@ -10876,7 +10876,7 @@
               <a:r>
                 <a:rPr sz="569">
                   <a:solidFill>
-                    <a:srgbClr val="440656">
+                    <a:srgbClr val="D6233A">
                       <a:alpha val="100000"/>
                     </a:srgbClr>
                   </a:solidFill>
@@ -10922,7 +10922,7 @@
               <a:r>
                 <a:rPr sz="569">
                   <a:solidFill>
-                    <a:srgbClr val="450A58">
+                    <a:srgbClr val="D4273D">
                       <a:alpha val="100000"/>
                     </a:srgbClr>
                   </a:solidFill>
@@ -10968,7 +10968,7 @@
               <a:r>
                 <a:rPr sz="569">
                   <a:solidFill>
-                    <a:srgbClr val="45135B">
+                    <a:srgbClr val="D13044">
                       <a:alpha val="100000"/>
                     </a:srgbClr>
                   </a:solidFill>
@@ -11014,7 +11014,7 @@
               <a:r>
                 <a:rPr sz="569">
                   <a:solidFill>
-                    <a:srgbClr val="440656">
+                    <a:srgbClr val="D6233A">
                       <a:alpha val="100000"/>
                     </a:srgbClr>
                   </a:solidFill>
@@ -11060,7 +11060,7 @@
               <a:r>
                 <a:rPr sz="569">
                   <a:solidFill>
-                    <a:srgbClr val="440656">
+                    <a:srgbClr val="D6233A">
                       <a:alpha val="100000"/>
                     </a:srgbClr>
                   </a:solidFill>
@@ -11106,7 +11106,7 @@
               <a:r>
                 <a:rPr sz="569">
                   <a:solidFill>
-                    <a:srgbClr val="450A58">
+                    <a:srgbClr val="D4273D">
                       <a:alpha val="100000"/>
                     </a:srgbClr>
                   </a:solidFill>
@@ -11152,7 +11152,7 @@
               <a:r>
                 <a:rPr sz="569">
                   <a:solidFill>
-                    <a:srgbClr val="440154">
+                    <a:srgbClr val="D71D36">
                       <a:alpha val="100000"/>
                     </a:srgbClr>
                   </a:solidFill>
@@ -11198,7 +11198,7 @@
               <a:r>
                 <a:rPr sz="569">
                   <a:solidFill>
-                    <a:srgbClr val="440656">
+                    <a:srgbClr val="D6233A">
                       <a:alpha val="100000"/>
                     </a:srgbClr>
                   </a:solidFill>
@@ -11244,7 +11244,7 @@
               <a:r>
                 <a:rPr sz="569">
                   <a:solidFill>
-                    <a:srgbClr val="440154">
+                    <a:srgbClr val="D71D36">
                       <a:alpha val="100000"/>
                     </a:srgbClr>
                   </a:solidFill>
@@ -11290,7 +11290,7 @@
               <a:r>
                 <a:rPr sz="569">
                   <a:solidFill>
-                    <a:srgbClr val="440154">
+                    <a:srgbClr val="D71D36">
                       <a:alpha val="100000"/>
                     </a:srgbClr>
                   </a:solidFill>
@@ -11336,7 +11336,7 @@
               <a:r>
                 <a:rPr sz="569">
                   <a:solidFill>
-                    <a:srgbClr val="440656">
+                    <a:srgbClr val="D6233A">
                       <a:alpha val="100000"/>
                     </a:srgbClr>
                   </a:solidFill>
@@ -11382,7 +11382,7 @@
               <a:r>
                 <a:rPr sz="569">
                   <a:solidFill>
-                    <a:srgbClr val="450F59">
+                    <a:srgbClr val="D32C41">
                       <a:alpha val="100000"/>
                     </a:srgbClr>
                   </a:solidFill>
@@ -11428,7 +11428,7 @@
               <a:r>
                 <a:rPr sz="569">
                   <a:solidFill>
-                    <a:srgbClr val="45165D">
+                    <a:srgbClr val="D03348">
                       <a:alpha val="100000"/>
                     </a:srgbClr>
                   </a:solidFill>
@@ -11474,7 +11474,7 @@
               <a:r>
                 <a:rPr sz="569">
                   <a:solidFill>
-                    <a:srgbClr val="45135B">
+                    <a:srgbClr val="D13044">
                       <a:alpha val="100000"/>
                     </a:srgbClr>
                   </a:solidFill>
@@ -11520,7 +11520,7 @@
               <a:r>
                 <a:rPr sz="569">
                   <a:solidFill>
-                    <a:srgbClr val="440154">
+                    <a:srgbClr val="D71D36">
                       <a:alpha val="100000"/>
                     </a:srgbClr>
                   </a:solidFill>
@@ -11566,7 +11566,7 @@
               <a:r>
                 <a:rPr sz="569">
                   <a:solidFill>
-                    <a:srgbClr val="45195F">
+                    <a:srgbClr val="CE374B">
                       <a:alpha val="100000"/>
                     </a:srgbClr>
                   </a:solidFill>
@@ -11612,7 +11612,7 @@
               <a:r>
                 <a:rPr sz="569">
                   <a:solidFill>
-                    <a:srgbClr val="45135B">
+                    <a:srgbClr val="D13044">
                       <a:alpha val="100000"/>
                     </a:srgbClr>
                   </a:solidFill>
@@ -11658,7 +11658,7 @@
               <a:r>
                 <a:rPr sz="569">
                   <a:solidFill>
-                    <a:srgbClr val="29AF7F">
+                    <a:srgbClr val="B88100">
                       <a:alpha val="100000"/>
                     </a:srgbClr>
                   </a:solidFill>
